--- a/resources/Presentation1.pptx
+++ b/resources/Presentation1.pptx
@@ -5,8 +5,8 @@
     <p:sldMasterId id="2147483648" r:id="rId1"/>
   </p:sldMasterIdLst>
   <p:sldIdLst>
-    <p:sldId id="256" r:id="rId2"/>
-    <p:sldId id="257" r:id="rId3"/>
+    <p:sldId id="257" r:id="rId2"/>
+    <p:sldId id="258" r:id="rId3"/>
   </p:sldIdLst>
   <p:sldSz cx="12192000" cy="6858000"/>
   <p:notesSz cx="6858000" cy="9144000"/>
@@ -3343,86 +3343,6 @@
           <a:chExt cx="0" cy="0"/>
         </a:xfrm>
       </p:grpSpPr>
-      <p:sp>
-        <p:nvSpPr>
-          <p:cNvPr id="2" name="Title 1">
-            <a:extLst>
-              <a:ext uri="{FF2B5EF4-FFF2-40B4-BE49-F238E27FC236}">
-                <a16:creationId xmlns:a16="http://schemas.microsoft.com/office/drawing/2014/main" id="{EF0BF5B7-98A8-DE4C-B2C7-75C6DE8DBB84}"/>
-              </a:ext>
-            </a:extLst>
-          </p:cNvPr>
-          <p:cNvSpPr>
-            <a:spLocks noGrp="1"/>
-          </p:cNvSpPr>
-          <p:nvPr>
-            <p:ph type="ctrTitle"/>
-          </p:nvPr>
-        </p:nvSpPr>
-        <p:spPr/>
-        <p:txBody>
-          <a:bodyPr/>
-          <a:lstStyle/>
-          <a:p>
-            <a:endParaRPr lang="en-US"/>
-          </a:p>
-        </p:txBody>
-      </p:sp>
-      <p:sp>
-        <p:nvSpPr>
-          <p:cNvPr id="3" name="Subtitle 2">
-            <a:extLst>
-              <a:ext uri="{FF2B5EF4-FFF2-40B4-BE49-F238E27FC236}">
-                <a16:creationId xmlns:a16="http://schemas.microsoft.com/office/drawing/2014/main" id="{EE922374-EBFE-4046-9386-3F4C51040E2C}"/>
-              </a:ext>
-            </a:extLst>
-          </p:cNvPr>
-          <p:cNvSpPr>
-            <a:spLocks noGrp="1"/>
-          </p:cNvSpPr>
-          <p:nvPr>
-            <p:ph type="subTitle" idx="1"/>
-          </p:nvPr>
-        </p:nvSpPr>
-        <p:spPr/>
-        <p:txBody>
-          <a:bodyPr/>
-          <a:lstStyle/>
-          <a:p>
-            <a:endParaRPr lang="en-US"/>
-          </a:p>
-        </p:txBody>
-      </p:sp>
-    </p:spTree>
-    <p:extLst>
-      <p:ext uri="{BB962C8B-B14F-4D97-AF65-F5344CB8AC3E}">
-        <p14:creationId xmlns:p14="http://schemas.microsoft.com/office/powerpoint/2010/main" val="3074360036"/>
-      </p:ext>
-    </p:extLst>
-  </p:cSld>
-  <p:clrMapOvr>
-    <a:masterClrMapping/>
-  </p:clrMapOvr>
-</p:sld>
-</file>
-
-<file path=ppt/slides/slide2.xml><?xml version="1.0" encoding="utf-8"?>
-<p:sld xmlns:a="http://schemas.openxmlformats.org/drawingml/2006/main" xmlns:r="http://schemas.openxmlformats.org/officeDocument/2006/relationships" xmlns:p="http://schemas.openxmlformats.org/presentationml/2006/main">
-  <p:cSld>
-    <p:spTree>
-      <p:nvGrpSpPr>
-        <p:cNvPr id="1" name=""/>
-        <p:cNvGrpSpPr/>
-        <p:nvPr/>
-      </p:nvGrpSpPr>
-      <p:grpSpPr>
-        <a:xfrm>
-          <a:off x="0" y="0"/>
-          <a:ext cx="0" cy="0"/>
-          <a:chOff x="0" y="0"/>
-          <a:chExt cx="0" cy="0"/>
-        </a:xfrm>
-      </p:grpSpPr>
       <p:pic>
         <p:nvPicPr>
           <p:cNvPr id="7" name="Picture 6">
@@ -3534,6 +3454,36 @@
     <p:extLst>
       <p:ext uri="{BB962C8B-B14F-4D97-AF65-F5344CB8AC3E}">
         <p14:creationId xmlns:p14="http://schemas.microsoft.com/office/powerpoint/2010/main" val="1893342996"/>
+      </p:ext>
+    </p:extLst>
+  </p:cSld>
+  <p:clrMapOvr>
+    <a:masterClrMapping/>
+  </p:clrMapOvr>
+</p:sld>
+</file>
+
+<file path=ppt/slides/slide2.xml><?xml version="1.0" encoding="utf-8"?>
+<p:sld xmlns:a="http://schemas.openxmlformats.org/drawingml/2006/main" xmlns:r="http://schemas.openxmlformats.org/officeDocument/2006/relationships" xmlns:p="http://schemas.openxmlformats.org/presentationml/2006/main">
+  <p:cSld>
+    <p:spTree>
+      <p:nvGrpSpPr>
+        <p:cNvPr id="1" name=""/>
+        <p:cNvGrpSpPr/>
+        <p:nvPr/>
+      </p:nvGrpSpPr>
+      <p:grpSpPr>
+        <a:xfrm>
+          <a:off x="0" y="0"/>
+          <a:ext cx="0" cy="0"/>
+          <a:chOff x="0" y="0"/>
+          <a:chExt cx="0" cy="0"/>
+        </a:xfrm>
+      </p:grpSpPr>
+    </p:spTree>
+    <p:extLst>
+      <p:ext uri="{BB962C8B-B14F-4D97-AF65-F5344CB8AC3E}">
+        <p14:creationId xmlns:p14="http://schemas.microsoft.com/office/powerpoint/2010/main" val="2773605086"/>
       </p:ext>
     </p:extLst>
   </p:cSld>

--- a/resources/Presentation1.pptx
+++ b/resources/Presentation1.pptx
@@ -3480,6 +3480,348 @@
           <a:chExt cx="0" cy="0"/>
         </a:xfrm>
       </p:grpSpPr>
+      <p:pic>
+        <p:nvPicPr>
+          <p:cNvPr id="2052" name="Picture 4">
+            <a:extLst>
+              <a:ext uri="{FF2B5EF4-FFF2-40B4-BE49-F238E27FC236}">
+                <a16:creationId xmlns:a16="http://schemas.microsoft.com/office/drawing/2014/main" id="{9DFC5DD6-B295-B94B-BACD-BCFE1F9BAF08}"/>
+              </a:ext>
+            </a:extLst>
+          </p:cNvPr>
+          <p:cNvPicPr>
+            <a:picLocks noChangeAspect="1" noChangeArrowheads="1"/>
+          </p:cNvPicPr>
+          <p:nvPr/>
+        </p:nvPicPr>
+        <p:blipFill>
+          <a:blip r:embed="rId2">
+            <a:extLst>
+              <a:ext uri="{28A0092B-C50C-407E-A947-70E740481C1C}">
+                <a14:useLocalDpi xmlns:a14="http://schemas.microsoft.com/office/drawing/2010/main" val="0"/>
+              </a:ext>
+            </a:extLst>
+          </a:blip>
+          <a:srcRect/>
+          <a:stretch>
+            <a:fillRect/>
+          </a:stretch>
+        </p:blipFill>
+        <p:spPr bwMode="auto">
+          <a:xfrm>
+            <a:off x="1853181" y="1334008"/>
+            <a:ext cx="1771693" cy="1088853"/>
+          </a:xfrm>
+          <a:prstGeom prst="rect">
+            <a:avLst/>
+          </a:prstGeom>
+          <a:noFill/>
+          <a:extLst>
+            <a:ext uri="{909E8E84-426E-40DD-AFC4-6F175D3DCCD1}">
+              <a14:hiddenFill xmlns:a14="http://schemas.microsoft.com/office/drawing/2010/main">
+                <a:solidFill>
+                  <a:srgbClr val="FFFFFF"/>
+                </a:solidFill>
+              </a14:hiddenFill>
+            </a:ext>
+          </a:extLst>
+        </p:spPr>
+      </p:pic>
+      <p:pic>
+        <p:nvPicPr>
+          <p:cNvPr id="2060" name="Picture 12" descr="data:image/jpeg;base64,/9j/4AAQSkZJRgABAQAAAQABAAD/2wCEAAkGBxIPEA8PEBAVEBAPEA8RDxEREBUVFxAVFRUWFhUSFRUZHSggGBonGxUVITEhKCkrMS4uFx8zODMsOCgtLjcBCgoKDg0OFhAQGzclIB83Nzc1Nis0NTctNzItNzItODctLzcyMzUuKzcrLS0vLS0rLS8tLTEtKy0tLy0tNzU4Lf/AABEIAHABwAMBIgACEQEDEQH/xAAcAAEAAgMBAQEAAAAAAAAAAAAABAYBBQcDAgj/xABEEAACAgIBAgMEBQkFBQkAAAABAgADBBESBSEGEzEUIkFRFjJTYXEHFUJSgZGSodEjM3STsQg0NlTBJHJ1orKztMPh/8QAGgEBAQEBAQEBAAAAAAAAAAAAAAUEBgECA//EACwRAQABAwICCQQDAAAAAAAAAAABAgMEBRESExQhMUFSU2FxkQYVMlGh4fD/2gAMAwEAAhEDEQA/AO4xEQEREBETEDMTEzARExuBmIiAiIgIiICIiAiIgIiICIiAiIgIiICIiAiIgIiICIiAiIgIiICIiAiIgIiICIiAiIgIiICIiAiIgIiICJ8WtoE/IEyifTDI+Vf3e6f6z97ONXe34O5hzNQs4nDzO/8AS/SL1HI8qqyz14IzDf3CUr6X5Pyr/hP9Z5Znia+2tq2CcXBB0p3o/tmmnTr28bp9zX8WaJ4Znf2Sh4yu+zT/AM0z9M7vs0/nK1Eq9CseFzP3fM8yf4WX6Z3fZp/OS8PxmCdW1cR+sjb1+wiU+J5Vg2Jj8X3RrOZTO/Hv77OrYeYlyh62DKfiP9CPgZInMOj9TbGsDr9UkCxf1h/X5TpdFodVdTtWAIPzBkXKxZsVekuu0zUacyie6qO2HpETg/j7xJ1Jes34eJmW1hrceqipWUKGsrr0ASO22b4/OZVN3iJwnLTxPhqb3sudKwSwDU26A7klACSPwl1/Jh+UL86BsfIVUy61D7Tsl6ehZQSSCO2x94I+4OgxOLjrXXPz55WrvJ9rCGryv7D2bmAX5a1/d7blve/3S3/lU8Yv0vHrFAByMh2VGYbFaqNs+vie4A/H7oF5icx/J1f1d8XPy8pnta2hH6ctvD3m1aSQg1oH+z1v1kD8kvV+rX5tqZhvfH8pjYciop5dmxxCEqO5973fugddiIgIiICIiAiIgIiICIiAiIgIiICIiAiIgIiICIiAiIgIiICIiAiIgIiICIiAiIgRupPxptb5Vuf5GcpA7CdbyKRYrIw2rAhh6djNR9FsX7M/xt/WUMLKosRVxR2oWr6bdzKqJomOr9ueTYdAwlvvSt98SGJ0deg+cuf0Wxfsz/G39Z74PQ6KH8ytCGAI3yY+v4marupUVUTFO+6Zj/T96m7TVcmJpiev/bIn0Rxvk/8AmNH0Rxvk/wDmGb6JM6Te8Uuj+24nlx8K9Z4QxyPd5qfnzJ/kZT+rdPbGtapjvWip/WB+M6huc+8W5q3ZHuHa1rw38z6mbsC/drubTO8ImuYWNasRVRTFNW/d3tJOg+DLy+KoP6DMn7PUfyM59OgeC6SuKCf03dh+HoP9Jp1PblR7sP09xdKnbs2b6fn3xZ/xSn/iHTf9KJ+gp+dvHeWtHiR733wpy8G1+I2eKJSx0PidAyC7Z+iCJ+fel1DE8Uiqn3UGbYgA9ONlTMy/gC38pdeo/lowlrY0VXW26PBXRUTfw5Ny2B+AMrH5Iuh3Z3UG6teD5db22LYRoXXWBgeHzVQzfh2HzgWD6c5n0g/NvKv2X2nyteV73Hyuf1t/OU78sd+c2VxzKwmOlmQMFgE9+va7J4sT+r6geslj/i4/44f/ABxNn/tDfWwP+5k//XAxgdV8TrRV5WIhpWpPLPHH7oFHE97d+mpufyR+Nsvql2SmUyMtdNbpwr4d2Yg77/IS99J/3DH/AMHV/wC0JyD/AGdv94zP8Lj/APqMDukREBERAREQEREBERAREQEREBERAREQEREBERAREQEREBERAREQEREBERAREQEREDBiaHxllNXQpRipaxRtTo60T/0lM/Ot/wBvZ/GZtsYNV6niiUfO1m3i3eXVTM+zqMrPjLqFlIpFTlCxfZGu+ta/1lU/Ot/29n8ZnjkZT2a8x2fXpyO9TZZ06qiuKqpiYSszX6btmqi3TMTPel/n3J+3b+X9I/P2T9u38v6TXRKPIteGPhA6bkeZPzKbf1e9xxa5yD6jet/ukKYmx6d0e7II4IQvxdgQo/r+yJm3ajfqh5EX8mqI66p+Xh07Da+1Kk9WPc/qr8WnT8WkVota9lRQo/ADUhdE6OmKml952+u59T933CbISDmZXOq6uyHbaRp3RLczV+VXazK91PwR0/Kte+/FSy2zXNyW22gFHofkAP2SwyqDFtys3OT2zIpSg4y1pS1YA5VBmPvITvcxq77p/J50tDyGBUSP1gWH7mJEstNSooRFCqo0qqAAo+QA9BK7h5N+NkPh5F5uSzHsvxsllQWKEIWytwqhWK80YNruCQR22fWvxHj49GJ5uQ9zX0eZS/ksbMkKE2wrrT655r7oG+/YdjA9folhe1e3ezr7Vz8zzdtvlrjy9denaenXfDOJn8Pa6Fu8sME5FhxDa36H7hMX+JKEFRItL2p5i0pi3PcE/WelULoN9veA79pF6v1RbqMW3HsJVs/DRivJSP7ZVet1Oip9QVP7YG9qx1RFqUaRUCKvyUDQH7pquheFcPAZ2xMdaWdQrlS3cA7A7meHWfElaYeZkUFrDjixFeuiyxfNUH04g8lVuzMOw0dkaM96/ElIopufzVN3upWca4W2MB73GjjzI+O9a13gbqJq8br+PZVdaGZRjqzXpZU9dlQALbapgHHYEjt3+E8sfxPiuttgdhVSodr3qsSpgTr+ztZQth320pPftA3MTRY3izFdq0Jtqe11Spb8W+k2lvTgLEHIfMj033nj0zxGLc3LxitoWny+BfFuRV0reYWtZQuiQNEnuPTcCxxNJj+KcWx0VWcLYwWu5se1abCewCXsoRtk9tHv8Nzw6f4h8zqGVhlbeNaUeWTi3KoY+b5ha0rx4nivEk6PfW+8CxRKx446t5CUVbvX2i+pHfHousYV8vfVWrU8XI7AfW7nXpJbdbx8VaqR5zt5SuK0pyMi5UO+LWqFZ13oj3u+wR6wN5E1VniLFWhco3AUM4r56PusW48WGtqQexB1r4yR0rqaZSGytbVUNx/tqLaSewO1WxQSvcdx2gTYiICIiAiIgIiICIiAiIgIiICIiAiIgIiICIiAiIgIiICYMzMQKp4+s1XSvzdj+5f/ANlM39861ZQr/WUNr02Adfvnx7DV9kn8AlHGz4s24o4d3P5+iVZV6bvHtv6f25Rv75cfBuBVZS7WVo58wgFlDdgB85ZvYavsk/gE9K6lUaVQo+QGoydQ5tHDEbGBofRrvMqqir02RfzRj/8AL1f5S/0j80Y//L1f5S/0k0TMwcdX7W+Tb8MfCJX0ylTtaa1PzFaj/pJIWfUTyZme1900U0/jGwIiJ4+iVRM5sXNz2fGyLFuOMa3px2sU8agp7j75a58lwNbOt9h9/wCECs01XZd9mW9L0VVY11GNXaALLGsIL2soJ4jSIAD39dgdpB6N0uwW9CZ6WHs3T8hbCy/3VjJjqFb5EgOP3y7RApXWMC2rOvvNuYlORXSA+EldnFqwymuxDWzAd9gjt3beu242T4fa7Cev/tinL6jj2WNa9YvVA1aG4eUoFfuIDo9x8flL9ECpeVeMDMwXo1bTi210tRXqrIQoQhrA+q3oCnwPpsESTmI9GRi5Rpe6tcV8ezy152UFmrfmE9Sp4abWz7qdtb1Y2bQ2ewHqflAMCm9Rpty/zhkJRZWh6bbi0rYnGzJc83DeX6hRvS70SXft853U+nv7DirVT5jYpw7fZuy+YKuJNY325D1G+3JR3HrLLMbgVHq+a2XZgirDv41ZtFltltJr8kDkDoN3Y9+5HYDff0nt1DpNmQes1Luv2vFrpptIOuRpsTYP3FhuWmIHPRgWXV14zv1TkxrS2plx1rqCkbbzvJ4lRx2Cp2dDWjLTgUOM/OsKkI9OCEYjsxXz+QB+7kv7xNzEDTeI6Gf2Tgpbhm4ztob4qC22PyAkNbWw8rLeym2yvKaqyu2mo2kFa1rNLqvvLorsHWvfPpLLECi5nSrbqmsahlGT1bCyfIIBaqus1KXsAJAJ8suRvty799y8zM+S4GgTrfYff+ED6iIgIiICIiAiIgIiICIiAiIgIiICIiAiIgIiICIiAiIgIiICIiAiIgIiICIiAiIgJS8e/wA3qeTZkYbccWunyrrWpK4ygWsbQOZKlteoG9Ab1LpNBkdGN1nU1s92rNx6qVYHv/d2I516jXMQPMeKtIL3xL0xDo+0sK+KofS5q+fNa/Q7K7AOyAJ953iXhkvh1Y1uRelVVpFZrC8H5jkWdgBopr7+Q18dRMlM67GbBfGRGsrNFuWLlNXEji1qV/X5EbIQgAE/WOpO6b0pqs/Kv4jyrMXBpqbYLE1G7kCPUfXWBLxOsI/tPLdRxHZLg+hxAQWB97+qUYHcgDxQHXHFONdddkUrkCkcFamlt8bLi7AJvWgO5JB7djqN4k6Fdfepp4ijLRKOo7bR8qtuYKj4kqbKz91gPwkvNxr8fJbKx6RkJbRVTbSHWt08pnKPWW0pGrCCpI9AR8YETJ8QLlU9Ux/JtotxcItclyqNecl4UAqSG7VE7B17w+8Dzt6pfXk9NqrotsrbGctweoK/u1dyGcH3N79P0u25irpuXbZ1W66pK/a8HHoxq1sDEGsZW1duw3u5Tv097XfW5tB0+zz8B9DjRj312nY7My1AAfP6pgRrPFRLXinCyL1xbbKr3rFQAKa3wDOC50d6H+vaSHz6bb+nMpdjkV5FmOyORWV8tSTYm/e7MNbB0d+k9eiYL1LlBwAbcvJtTRB2rkFSZq+kdFur/M/NQPY8e+u/TA8WetFUD591PpA+l8Zbra9cLIbGrZ1uvAr1Xwco7BS/J1XiSSAfu3qbLqXXBU9dVVT5V1qeYtdRQca/TzXdyAq7Oh8T8B2Mh43SrV6ZdikDznqzVUchrdjWlO/p+kJ5NiX411ORVWt7Nh042RR5io4FJZlsrLe63exgQSPVTvt3Cd0fxAMm67GNNtF1FddlqWhewsZwuipIYe4TsHX7QRJPVurDH8tRW911xYVU1BeTce7MSxCqo2NsT8QPUgTS9Atus6nmvci1EYeEoqVg5rBsyCObgaLnudDYA1673Nh1rDtF+PmUILXorvpelnCc67jWzFGPYOGqXsexG+4gfeB11Xayq6p8W2qvzWS4ppqvQ2o6MVZQex+I7bA2Jrsrxl5VD5b4WSMRUawX6r7qBtXNQfmqn4EjtsEgDvM29Ltznusya/Zq2xMjErr8xXfV3E2WuV90a4KAoJ+J36TW+I87NHTMqt8eteOJar5YvVqmXgRzSse+WYa0pAALDudQLrVZzRW7gMoYfMbG5TnzqFr6RkBmroXJynLZFnJkAoyeRZ2J+O/j8pb8RSKq1PYhEBHyIA7SoP4Ta/F6bjXp2x77bLuNgBr2l3lujD9IM6EQJXiDrt3sAyKce5C99AUE1o4rN6AOwZhxDjsB6++Ngd9WbEtZ0VmrNTMNmtipKH5EqSN/gTK/lYeXbiPjWhbLa7sXhcGVRkVpdW5cr+g/FTsehI7euhZoCIiAiIgIiICIiAiIgIiICIiAiIgIiICIiAiIgIiICIiAiIgIiICIiAiIgIiICIiAiIgIiICIiAiIgJr+p9HpySjWqede/LsR2rdN65BXQhgDobG9HQmwiBC6Z0urGVlpTjzbm7FmdrG0Byd2JZjoAdz6ASbEQMETSV+FMRWUio8UcOlRtsNKMDsMtJbgNHuO3YjtN5EBERAREQEREBERAREQEREBERAREQEREBERAREQEREBERAREQP/2Q==">
+            <a:extLst>
+              <a:ext uri="{FF2B5EF4-FFF2-40B4-BE49-F238E27FC236}">
+                <a16:creationId xmlns:a16="http://schemas.microsoft.com/office/drawing/2014/main" id="{AF65049A-BF46-6C4B-BBFF-378CE5ADCB42}"/>
+              </a:ext>
+            </a:extLst>
+          </p:cNvPr>
+          <p:cNvPicPr>
+            <a:picLocks noChangeAspect="1" noChangeArrowheads="1"/>
+          </p:cNvPicPr>
+          <p:nvPr/>
+        </p:nvPicPr>
+        <p:blipFill>
+          <a:blip r:embed="rId3">
+            <a:extLst>
+              <a:ext uri="{28A0092B-C50C-407E-A947-70E740481C1C}">
+                <a14:useLocalDpi xmlns:a14="http://schemas.microsoft.com/office/drawing/2010/main" val="0"/>
+              </a:ext>
+            </a:extLst>
+          </a:blip>
+          <a:srcRect/>
+          <a:stretch>
+            <a:fillRect/>
+          </a:stretch>
+        </p:blipFill>
+        <p:spPr bwMode="auto">
+          <a:xfrm>
+            <a:off x="3515568" y="1602243"/>
+            <a:ext cx="2713660" cy="678415"/>
+          </a:xfrm>
+          <a:prstGeom prst="rect">
+            <a:avLst/>
+          </a:prstGeom>
+          <a:noFill/>
+          <a:extLst>
+            <a:ext uri="{909E8E84-426E-40DD-AFC4-6F175D3DCCD1}">
+              <a14:hiddenFill xmlns:a14="http://schemas.microsoft.com/office/drawing/2010/main">
+                <a:solidFill>
+                  <a:srgbClr val="FFFFFF"/>
+                </a:solidFill>
+              </a14:hiddenFill>
+            </a:ext>
+          </a:extLst>
+        </p:spPr>
+      </p:pic>
+      <p:pic>
+        <p:nvPicPr>
+          <p:cNvPr id="2062" name="Picture 14">
+            <a:extLst>
+              <a:ext uri="{FF2B5EF4-FFF2-40B4-BE49-F238E27FC236}">
+                <a16:creationId xmlns:a16="http://schemas.microsoft.com/office/drawing/2014/main" id="{BFBB0ED3-FE39-E84D-949D-3E30B75672FF}"/>
+              </a:ext>
+            </a:extLst>
+          </p:cNvPr>
+          <p:cNvPicPr>
+            <a:picLocks noChangeAspect="1" noChangeArrowheads="1"/>
+          </p:cNvPicPr>
+          <p:nvPr/>
+        </p:nvPicPr>
+        <p:blipFill>
+          <a:blip r:embed="rId4">
+            <a:extLst>
+              <a:ext uri="{28A0092B-C50C-407E-A947-70E740481C1C}">
+                <a14:useLocalDpi xmlns:a14="http://schemas.microsoft.com/office/drawing/2010/main" val="0"/>
+              </a:ext>
+            </a:extLst>
+          </a:blip>
+          <a:srcRect/>
+          <a:stretch>
+            <a:fillRect/>
+          </a:stretch>
+        </p:blipFill>
+        <p:spPr bwMode="auto">
+          <a:xfrm>
+            <a:off x="865452" y="2723261"/>
+            <a:ext cx="821817" cy="821817"/>
+          </a:xfrm>
+          <a:prstGeom prst="rect">
+            <a:avLst/>
+          </a:prstGeom>
+          <a:noFill/>
+          <a:extLst>
+            <a:ext uri="{909E8E84-426E-40DD-AFC4-6F175D3DCCD1}">
+              <a14:hiddenFill xmlns:a14="http://schemas.microsoft.com/office/drawing/2010/main">
+                <a:solidFill>
+                  <a:srgbClr val="FFFFFF"/>
+                </a:solidFill>
+              </a14:hiddenFill>
+            </a:ext>
+          </a:extLst>
+        </p:spPr>
+      </p:pic>
+      <p:pic>
+        <p:nvPicPr>
+          <p:cNvPr id="5" name="Picture 4">
+            <a:extLst>
+              <a:ext uri="{FF2B5EF4-FFF2-40B4-BE49-F238E27FC236}">
+                <a16:creationId xmlns:a16="http://schemas.microsoft.com/office/drawing/2014/main" id="{F4BD3607-8060-5443-A97B-7D5302908E0A}"/>
+              </a:ext>
+            </a:extLst>
+          </p:cNvPr>
+          <p:cNvPicPr>
+            <a:picLocks noChangeAspect="1"/>
+          </p:cNvPicPr>
+          <p:nvPr/>
+        </p:nvPicPr>
+        <p:blipFill>
+          <a:blip r:embed="rId5"/>
+          <a:stretch>
+            <a:fillRect/>
+          </a:stretch>
+        </p:blipFill>
+        <p:spPr>
+          <a:xfrm>
+            <a:off x="727228" y="1334008"/>
+            <a:ext cx="1098266" cy="1137490"/>
+          </a:xfrm>
+          <a:prstGeom prst="rect">
+            <a:avLst/>
+          </a:prstGeom>
+        </p:spPr>
+      </p:pic>
+      <p:pic>
+        <p:nvPicPr>
+          <p:cNvPr id="2064" name="Picture 16" descr="Image result for politi logo">
+            <a:extLst>
+              <a:ext uri="{FF2B5EF4-FFF2-40B4-BE49-F238E27FC236}">
+                <a16:creationId xmlns:a16="http://schemas.microsoft.com/office/drawing/2014/main" id="{0DF83AC7-1C53-DA41-B7CC-134BF054E150}"/>
+              </a:ext>
+            </a:extLst>
+          </p:cNvPr>
+          <p:cNvPicPr>
+            <a:picLocks noChangeAspect="1" noChangeArrowheads="1"/>
+          </p:cNvPicPr>
+          <p:nvPr/>
+        </p:nvPicPr>
+        <p:blipFill>
+          <a:blip r:embed="rId6">
+            <a:extLst>
+              <a:ext uri="{28A0092B-C50C-407E-A947-70E740481C1C}">
+                <a14:useLocalDpi xmlns:a14="http://schemas.microsoft.com/office/drawing/2010/main" val="0"/>
+              </a:ext>
+            </a:extLst>
+          </a:blip>
+          <a:srcRect/>
+          <a:stretch>
+            <a:fillRect/>
+          </a:stretch>
+        </p:blipFill>
+        <p:spPr bwMode="auto">
+          <a:xfrm>
+            <a:off x="3717908" y="2793823"/>
+            <a:ext cx="1294564" cy="680690"/>
+          </a:xfrm>
+          <a:prstGeom prst="rect">
+            <a:avLst/>
+          </a:prstGeom>
+          <a:noFill/>
+          <a:extLst>
+            <a:ext uri="{909E8E84-426E-40DD-AFC4-6F175D3DCCD1}">
+              <a14:hiddenFill xmlns:a14="http://schemas.microsoft.com/office/drawing/2010/main">
+                <a:solidFill>
+                  <a:srgbClr val="FFFFFF"/>
+                </a:solidFill>
+              </a14:hiddenFill>
+            </a:ext>
+          </a:extLst>
+        </p:spPr>
+      </p:pic>
+      <p:pic>
+        <p:nvPicPr>
+          <p:cNvPr id="2066" name="Picture 18" descr="Image result for statnett">
+            <a:extLst>
+              <a:ext uri="{FF2B5EF4-FFF2-40B4-BE49-F238E27FC236}">
+                <a16:creationId xmlns:a16="http://schemas.microsoft.com/office/drawing/2014/main" id="{0D9CF059-04E6-EB4F-A31B-3B804CEF834B}"/>
+              </a:ext>
+            </a:extLst>
+          </p:cNvPr>
+          <p:cNvPicPr>
+            <a:picLocks noChangeAspect="1" noChangeArrowheads="1"/>
+          </p:cNvPicPr>
+          <p:nvPr/>
+        </p:nvPicPr>
+        <p:blipFill>
+          <a:blip r:embed="rId7">
+            <a:extLst>
+              <a:ext uri="{28A0092B-C50C-407E-A947-70E740481C1C}">
+                <a14:useLocalDpi xmlns:a14="http://schemas.microsoft.com/office/drawing/2010/main" val="0"/>
+              </a:ext>
+            </a:extLst>
+          </a:blip>
+          <a:srcRect/>
+          <a:stretch>
+            <a:fillRect/>
+          </a:stretch>
+        </p:blipFill>
+        <p:spPr bwMode="auto">
+          <a:xfrm>
+            <a:off x="2291680" y="2723260"/>
+            <a:ext cx="821817" cy="821817"/>
+          </a:xfrm>
+          <a:prstGeom prst="rect">
+            <a:avLst/>
+          </a:prstGeom>
+          <a:noFill/>
+          <a:extLst>
+            <a:ext uri="{909E8E84-426E-40DD-AFC4-6F175D3DCCD1}">
+              <a14:hiddenFill xmlns:a14="http://schemas.microsoft.com/office/drawing/2010/main">
+                <a:solidFill>
+                  <a:srgbClr val="FFFFFF"/>
+                </a:solidFill>
+              </a14:hiddenFill>
+            </a:ext>
+          </a:extLst>
+        </p:spPr>
+      </p:pic>
+      <p:pic>
+        <p:nvPicPr>
+          <p:cNvPr id="2068" name="Picture 20" descr="Image result for lanekassen">
+            <a:extLst>
+              <a:ext uri="{FF2B5EF4-FFF2-40B4-BE49-F238E27FC236}">
+                <a16:creationId xmlns:a16="http://schemas.microsoft.com/office/drawing/2014/main" id="{CB40CFA5-ED3F-FE49-A58F-3B70C5F64F86}"/>
+              </a:ext>
+            </a:extLst>
+          </p:cNvPr>
+          <p:cNvPicPr>
+            <a:picLocks noChangeAspect="1" noChangeArrowheads="1"/>
+          </p:cNvPicPr>
+          <p:nvPr/>
+        </p:nvPicPr>
+        <p:blipFill>
+          <a:blip r:embed="rId8">
+            <a:extLst>
+              <a:ext uri="{28A0092B-C50C-407E-A947-70E740481C1C}">
+                <a14:useLocalDpi xmlns:a14="http://schemas.microsoft.com/office/drawing/2010/main" val="0"/>
+              </a:ext>
+            </a:extLst>
+          </a:blip>
+          <a:srcRect/>
+          <a:stretch>
+            <a:fillRect/>
+          </a:stretch>
+        </p:blipFill>
+        <p:spPr bwMode="auto">
+          <a:xfrm>
+            <a:off x="5226301" y="2735767"/>
+            <a:ext cx="1314349" cy="893950"/>
+          </a:xfrm>
+          <a:prstGeom prst="rect">
+            <a:avLst/>
+          </a:prstGeom>
+          <a:noFill/>
+          <a:extLst>
+            <a:ext uri="{909E8E84-426E-40DD-AFC4-6F175D3DCCD1}">
+              <a14:hiddenFill xmlns:a14="http://schemas.microsoft.com/office/drawing/2010/main">
+                <a:solidFill>
+                  <a:srgbClr val="FFFFFF"/>
+                </a:solidFill>
+              </a14:hiddenFill>
+            </a:ext>
+          </a:extLst>
+        </p:spPr>
+      </p:pic>
+      <p:pic>
+        <p:nvPicPr>
+          <p:cNvPr id="7" name="Picture 6">
+            <a:extLst>
+              <a:ext uri="{FF2B5EF4-FFF2-40B4-BE49-F238E27FC236}">
+                <a16:creationId xmlns:a16="http://schemas.microsoft.com/office/drawing/2014/main" id="{52527A1C-D72F-2D44-B68F-53F0EED7173D}"/>
+              </a:ext>
+            </a:extLst>
+          </p:cNvPr>
+          <p:cNvPicPr>
+            <a:picLocks noChangeAspect="1"/>
+          </p:cNvPicPr>
+          <p:nvPr/>
+        </p:nvPicPr>
+        <p:blipFill>
+          <a:blip r:embed="rId9"/>
+          <a:stretch>
+            <a:fillRect/>
+          </a:stretch>
+        </p:blipFill>
+        <p:spPr>
+          <a:xfrm>
+            <a:off x="5226301" y="1509206"/>
+            <a:ext cx="1358768" cy="913655"/>
+          </a:xfrm>
+          <a:prstGeom prst="rect">
+            <a:avLst/>
+          </a:prstGeom>
+        </p:spPr>
+      </p:pic>
     </p:spTree>
     <p:extLst>
       <p:ext uri="{BB962C8B-B14F-4D97-AF65-F5344CB8AC3E}">
